--- a/doc/slides/day2/session2/ProjectOrg.pptx
+++ b/doc/slides/day2/session2/ProjectOrg.pptx
@@ -1,20 +1,19 @@
 
 <file path=ppt/presentation.xml><?xml version="1.0" encoding="utf-8"?>
-<p:presentation xmlns:a="http://schemas.openxmlformats.org/drawingml/2006/main" xmlns:r="http://schemas.openxmlformats.org/officeDocument/2006/relationships" xmlns:mc="http://schemas.openxmlformats.org/markup-compatibility/2006" xmlns:mv="urn:schemas-microsoft-com:mac:vml" xmlns:p="http://schemas.openxmlformats.org/presentationml/2006/main" mc:Ignorable="mv" mc:PreserveAttributes="mv:*" saveSubsetFonts="1" autoCompressPictures="0">
+<p:presentation xmlns:a="http://schemas.openxmlformats.org/drawingml/2006/main" xmlns:r="http://schemas.openxmlformats.org/officeDocument/2006/relationships" xmlns:p="http://schemas.openxmlformats.org/presentationml/2006/main" saveSubsetFonts="1" autoCompressPictures="0">
   <p:sldMasterIdLst>
     <p:sldMasterId id="2147483648" r:id="rId1"/>
   </p:sldMasterIdLst>
   <p:notesMasterIdLst>
-    <p:notesMasterId r:id="rId9"/>
+    <p:notesMasterId r:id="rId8"/>
   </p:notesMasterIdLst>
   <p:sldIdLst>
     <p:sldId id="256" r:id="rId2"/>
     <p:sldId id="257" r:id="rId3"/>
     <p:sldId id="260" r:id="rId4"/>
-    <p:sldId id="258" r:id="rId5"/>
-    <p:sldId id="259" r:id="rId6"/>
-    <p:sldId id="261" r:id="rId7"/>
-    <p:sldId id="262" r:id="rId8"/>
+    <p:sldId id="259" r:id="rId5"/>
+    <p:sldId id="261" r:id="rId6"/>
+    <p:sldId id="262" r:id="rId7"/>
   </p:sldIdLst>
   <p:sldSz cx="9144000" cy="6858000" type="screen4x3"/>
   <p:notesSz cx="6858000" cy="9144000"/>
@@ -117,7 +116,7 @@
 </file>
 
 <file path=ppt/notesMasters/notesMaster1.xml><?xml version="1.0" encoding="utf-8"?>
-<p:notesMaster xmlns:a="http://schemas.openxmlformats.org/drawingml/2006/main" xmlns:r="http://schemas.openxmlformats.org/officeDocument/2006/relationships" xmlns:mc="http://schemas.openxmlformats.org/markup-compatibility/2006" xmlns:mv="urn:schemas-microsoft-com:mac:vml" xmlns:p="http://schemas.openxmlformats.org/presentationml/2006/main" mc:Ignorable="mv" mc:PreserveAttributes="mv:*">
+<p:notesMaster xmlns:a="http://schemas.openxmlformats.org/drawingml/2006/main" xmlns:r="http://schemas.openxmlformats.org/officeDocument/2006/relationships" xmlns:p="http://schemas.openxmlformats.org/presentationml/2006/main">
   <p:cSld>
     <p:bg>
       <p:bgRef idx="1001">
@@ -199,7 +198,7 @@
             <a:fld id="{A3D1AA53-AABD-6B49-992F-E061A7498157}" type="datetimeFigureOut">
               <a:rPr lang="en-US" smtClean="0"/>
               <a:pPr/>
-              <a:t>9/10/12</a:t>
+              <a:t>10/17/13</a:t>
             </a:fld>
             <a:endParaRPr lang="en-US"/>
           </a:p>
@@ -361,13 +360,18 @@
             <a:fld id="{5C6AEE8C-7E75-B34B-94B0-1167AF240711}" type="slidenum">
               <a:rPr lang="en-US" smtClean="0"/>
               <a:pPr/>
-              <a:t>‹#›</a:t>
+              <a:t>‹nr.›</a:t>
             </a:fld>
             <a:endParaRPr lang="en-US"/>
           </a:p>
         </p:txBody>
       </p:sp>
     </p:spTree>
+    <p:extLst>
+      <p:ext uri="{BB962C8B-B14F-4D97-AF65-F5344CB8AC3E}">
+        <p14:creationId xmlns:p14="http://schemas.microsoft.com/office/powerpoint/2010/main" val="580352185"/>
+      </p:ext>
+    </p:extLst>
   </p:cSld>
   <p:clrMap bg1="lt1" tx1="dk1" bg2="lt2" tx2="dk2" accent1="accent1" accent2="accent2" accent3="accent3" accent4="accent4" accent5="accent5" accent6="accent6" hlink="hlink" folHlink="folHlink"/>
   <p:notesStyle>
@@ -466,7 +470,7 @@
 </file>
 
 <file path=ppt/notesSlides/notesSlide1.xml><?xml version="1.0" encoding="utf-8"?>
-<p:notes xmlns:a="http://schemas.openxmlformats.org/drawingml/2006/main" xmlns:r="http://schemas.openxmlformats.org/officeDocument/2006/relationships" xmlns:mc="http://schemas.openxmlformats.org/markup-compatibility/2006" xmlns:mv="urn:schemas-microsoft-com:mac:vml" xmlns:p="http://schemas.openxmlformats.org/presentationml/2006/main" mc:Ignorable="mv" mc:PreserveAttributes="mv:*">
+<p:notes xmlns:a="http://schemas.openxmlformats.org/drawingml/2006/main" xmlns:r="http://schemas.openxmlformats.org/officeDocument/2006/relationships" xmlns:p="http://schemas.openxmlformats.org/presentationml/2006/main">
   <p:cSld>
     <p:spTree>
       <p:nvGrpSpPr>
@@ -556,7 +560,7 @@
 </file>
 
 <file path=ppt/slideLayouts/slideLayout1.xml><?xml version="1.0" encoding="utf-8"?>
-<p:sldLayout xmlns:a="http://schemas.openxmlformats.org/drawingml/2006/main" xmlns:r="http://schemas.openxmlformats.org/officeDocument/2006/relationships" xmlns:mc="http://schemas.openxmlformats.org/markup-compatibility/2006" xmlns:mv="urn:schemas-microsoft-com:mac:vml" xmlns:p="http://schemas.openxmlformats.org/presentationml/2006/main" mc:Ignorable="mv" mc:PreserveAttributes="mv:*" type="title" preserve="1">
+<p:sldLayout xmlns:a="http://schemas.openxmlformats.org/drawingml/2006/main" xmlns:r="http://schemas.openxmlformats.org/officeDocument/2006/relationships" xmlns:p="http://schemas.openxmlformats.org/presentationml/2006/main" type="title" preserve="1">
   <p:cSld name="Title Slide">
     <p:spTree>
       <p:nvGrpSpPr>
@@ -737,7 +741,7 @@
             <a:fld id="{653A51A6-7484-E546-BA42-A31390E7BDE5}" type="datetimeFigureOut">
               <a:rPr lang="en-US" smtClean="0"/>
               <a:pPr/>
-              <a:t>9/10/12</a:t>
+              <a:t>10/17/13</a:t>
             </a:fld>
             <a:endParaRPr lang="en-US"/>
           </a:p>
@@ -780,7 +784,7 @@
             <a:fld id="{2D7133BB-EB56-514D-BEB6-6BAC73E13192}" type="slidenum">
               <a:rPr lang="en-US" smtClean="0"/>
               <a:pPr/>
-              <a:t>‹#›</a:t>
+              <a:t>‹nr.›</a:t>
             </a:fld>
             <a:endParaRPr lang="en-US"/>
           </a:p>
@@ -795,7 +799,7 @@
 </file>
 
 <file path=ppt/slideLayouts/slideLayout10.xml><?xml version="1.0" encoding="utf-8"?>
-<p:sldLayout xmlns:a="http://schemas.openxmlformats.org/drawingml/2006/main" xmlns:r="http://schemas.openxmlformats.org/officeDocument/2006/relationships" xmlns:mc="http://schemas.openxmlformats.org/markup-compatibility/2006" xmlns:mv="urn:schemas-microsoft-com:mac:vml" xmlns:p="http://schemas.openxmlformats.org/presentationml/2006/main" mc:Ignorable="mv" mc:PreserveAttributes="mv:*" type="vertTx" preserve="1">
+<p:sldLayout xmlns:a="http://schemas.openxmlformats.org/drawingml/2006/main" xmlns:r="http://schemas.openxmlformats.org/officeDocument/2006/relationships" xmlns:p="http://schemas.openxmlformats.org/presentationml/2006/main" type="vertTx" preserve="1">
   <p:cSld name="Title and Vertical Text">
     <p:spTree>
       <p:nvGrpSpPr>
@@ -904,7 +908,7 @@
             <a:fld id="{653A51A6-7484-E546-BA42-A31390E7BDE5}" type="datetimeFigureOut">
               <a:rPr lang="en-US" smtClean="0"/>
               <a:pPr/>
-              <a:t>9/10/12</a:t>
+              <a:t>10/17/13</a:t>
             </a:fld>
             <a:endParaRPr lang="en-US"/>
           </a:p>
@@ -947,7 +951,7 @@
             <a:fld id="{2D7133BB-EB56-514D-BEB6-6BAC73E13192}" type="slidenum">
               <a:rPr lang="en-US" smtClean="0"/>
               <a:pPr/>
-              <a:t>‹#›</a:t>
+              <a:t>‹nr.›</a:t>
             </a:fld>
             <a:endParaRPr lang="en-US"/>
           </a:p>
@@ -962,7 +966,7 @@
 </file>
 
 <file path=ppt/slideLayouts/slideLayout11.xml><?xml version="1.0" encoding="utf-8"?>
-<p:sldLayout xmlns:a="http://schemas.openxmlformats.org/drawingml/2006/main" xmlns:r="http://schemas.openxmlformats.org/officeDocument/2006/relationships" xmlns:mc="http://schemas.openxmlformats.org/markup-compatibility/2006" xmlns:mv="urn:schemas-microsoft-com:mac:vml" xmlns:p="http://schemas.openxmlformats.org/presentationml/2006/main" mc:Ignorable="mv" mc:PreserveAttributes="mv:*" type="vertTitleAndTx" preserve="1">
+<p:sldLayout xmlns:a="http://schemas.openxmlformats.org/drawingml/2006/main" xmlns:r="http://schemas.openxmlformats.org/officeDocument/2006/relationships" xmlns:p="http://schemas.openxmlformats.org/presentationml/2006/main" type="vertTitleAndTx" preserve="1">
   <p:cSld name="Vertical Title and Text">
     <p:spTree>
       <p:nvGrpSpPr>
@@ -1081,7 +1085,7 @@
             <a:fld id="{653A51A6-7484-E546-BA42-A31390E7BDE5}" type="datetimeFigureOut">
               <a:rPr lang="en-US" smtClean="0"/>
               <a:pPr/>
-              <a:t>9/10/12</a:t>
+              <a:t>10/17/13</a:t>
             </a:fld>
             <a:endParaRPr lang="en-US"/>
           </a:p>
@@ -1124,7 +1128,7 @@
             <a:fld id="{2D7133BB-EB56-514D-BEB6-6BAC73E13192}" type="slidenum">
               <a:rPr lang="en-US" smtClean="0"/>
               <a:pPr/>
-              <a:t>‹#›</a:t>
+              <a:t>‹nr.›</a:t>
             </a:fld>
             <a:endParaRPr lang="en-US"/>
           </a:p>
@@ -1139,7 +1143,7 @@
 </file>
 
 <file path=ppt/slideLayouts/slideLayout2.xml><?xml version="1.0" encoding="utf-8"?>
-<p:sldLayout xmlns:a="http://schemas.openxmlformats.org/drawingml/2006/main" xmlns:r="http://schemas.openxmlformats.org/officeDocument/2006/relationships" xmlns:mc="http://schemas.openxmlformats.org/markup-compatibility/2006" xmlns:mv="urn:schemas-microsoft-com:mac:vml" xmlns:p="http://schemas.openxmlformats.org/presentationml/2006/main" mc:Ignorable="mv" mc:PreserveAttributes="mv:*" type="obj" preserve="1">
+<p:sldLayout xmlns:a="http://schemas.openxmlformats.org/drawingml/2006/main" xmlns:r="http://schemas.openxmlformats.org/officeDocument/2006/relationships" xmlns:p="http://schemas.openxmlformats.org/presentationml/2006/main" type="obj" preserve="1">
   <p:cSld name="Title and Content">
     <p:spTree>
       <p:nvGrpSpPr>
@@ -1248,7 +1252,7 @@
             <a:fld id="{653A51A6-7484-E546-BA42-A31390E7BDE5}" type="datetimeFigureOut">
               <a:rPr lang="en-US" smtClean="0"/>
               <a:pPr/>
-              <a:t>9/10/12</a:t>
+              <a:t>10/17/13</a:t>
             </a:fld>
             <a:endParaRPr lang="en-US"/>
           </a:p>
@@ -1291,7 +1295,7 @@
             <a:fld id="{2D7133BB-EB56-514D-BEB6-6BAC73E13192}" type="slidenum">
               <a:rPr lang="en-US" smtClean="0"/>
               <a:pPr/>
-              <a:t>‹#›</a:t>
+              <a:t>‹nr.›</a:t>
             </a:fld>
             <a:endParaRPr lang="en-US"/>
           </a:p>
@@ -1306,7 +1310,7 @@
 </file>
 
 <file path=ppt/slideLayouts/slideLayout3.xml><?xml version="1.0" encoding="utf-8"?>
-<p:sldLayout xmlns:a="http://schemas.openxmlformats.org/drawingml/2006/main" xmlns:r="http://schemas.openxmlformats.org/officeDocument/2006/relationships" xmlns:mc="http://schemas.openxmlformats.org/markup-compatibility/2006" xmlns:mv="urn:schemas-microsoft-com:mac:vml" xmlns:p="http://schemas.openxmlformats.org/presentationml/2006/main" mc:Ignorable="mv" mc:PreserveAttributes="mv:*" type="secHead" preserve="1">
+<p:sldLayout xmlns:a="http://schemas.openxmlformats.org/drawingml/2006/main" xmlns:r="http://schemas.openxmlformats.org/officeDocument/2006/relationships" xmlns:p="http://schemas.openxmlformats.org/presentationml/2006/main" type="secHead" preserve="1">
   <p:cSld name="Section Header">
     <p:spTree>
       <p:nvGrpSpPr>
@@ -1491,7 +1495,7 @@
             <a:fld id="{653A51A6-7484-E546-BA42-A31390E7BDE5}" type="datetimeFigureOut">
               <a:rPr lang="en-US" smtClean="0"/>
               <a:pPr/>
-              <a:t>9/10/12</a:t>
+              <a:t>10/17/13</a:t>
             </a:fld>
             <a:endParaRPr lang="en-US"/>
           </a:p>
@@ -1534,7 +1538,7 @@
             <a:fld id="{2D7133BB-EB56-514D-BEB6-6BAC73E13192}" type="slidenum">
               <a:rPr lang="en-US" smtClean="0"/>
               <a:pPr/>
-              <a:t>‹#›</a:t>
+              <a:t>‹nr.›</a:t>
             </a:fld>
             <a:endParaRPr lang="en-US"/>
           </a:p>
@@ -1549,7 +1553,7 @@
 </file>
 
 <file path=ppt/slideLayouts/slideLayout4.xml><?xml version="1.0" encoding="utf-8"?>
-<p:sldLayout xmlns:a="http://schemas.openxmlformats.org/drawingml/2006/main" xmlns:r="http://schemas.openxmlformats.org/officeDocument/2006/relationships" xmlns:mc="http://schemas.openxmlformats.org/markup-compatibility/2006" xmlns:mv="urn:schemas-microsoft-com:mac:vml" xmlns:p="http://schemas.openxmlformats.org/presentationml/2006/main" mc:Ignorable="mv" mc:PreserveAttributes="mv:*" type="twoObj" preserve="1">
+<p:sldLayout xmlns:a="http://schemas.openxmlformats.org/drawingml/2006/main" xmlns:r="http://schemas.openxmlformats.org/officeDocument/2006/relationships" xmlns:p="http://schemas.openxmlformats.org/presentationml/2006/main" type="twoObj" preserve="1">
   <p:cSld name="Two Content">
     <p:spTree>
       <p:nvGrpSpPr>
@@ -1776,7 +1780,7 @@
             <a:fld id="{653A51A6-7484-E546-BA42-A31390E7BDE5}" type="datetimeFigureOut">
               <a:rPr lang="en-US" smtClean="0"/>
               <a:pPr/>
-              <a:t>9/10/12</a:t>
+              <a:t>10/17/13</a:t>
             </a:fld>
             <a:endParaRPr lang="en-US"/>
           </a:p>
@@ -1819,7 +1823,7 @@
             <a:fld id="{2D7133BB-EB56-514D-BEB6-6BAC73E13192}" type="slidenum">
               <a:rPr lang="en-US" smtClean="0"/>
               <a:pPr/>
-              <a:t>‹#›</a:t>
+              <a:t>‹nr.›</a:t>
             </a:fld>
             <a:endParaRPr lang="en-US"/>
           </a:p>
@@ -1834,7 +1838,7 @@
 </file>
 
 <file path=ppt/slideLayouts/slideLayout5.xml><?xml version="1.0" encoding="utf-8"?>
-<p:sldLayout xmlns:a="http://schemas.openxmlformats.org/drawingml/2006/main" xmlns:r="http://schemas.openxmlformats.org/officeDocument/2006/relationships" xmlns:mc="http://schemas.openxmlformats.org/markup-compatibility/2006" xmlns:mv="urn:schemas-microsoft-com:mac:vml" xmlns:p="http://schemas.openxmlformats.org/presentationml/2006/main" mc:Ignorable="mv" mc:PreserveAttributes="mv:*" type="twoTxTwoObj" preserve="1">
+<p:sldLayout xmlns:a="http://schemas.openxmlformats.org/drawingml/2006/main" xmlns:r="http://schemas.openxmlformats.org/officeDocument/2006/relationships" xmlns:p="http://schemas.openxmlformats.org/presentationml/2006/main" type="twoTxTwoObj" preserve="1">
   <p:cSld name="Comparison">
     <p:spTree>
       <p:nvGrpSpPr>
@@ -2195,7 +2199,7 @@
             <a:fld id="{653A51A6-7484-E546-BA42-A31390E7BDE5}" type="datetimeFigureOut">
               <a:rPr lang="en-US" smtClean="0"/>
               <a:pPr/>
-              <a:t>9/10/12</a:t>
+              <a:t>10/17/13</a:t>
             </a:fld>
             <a:endParaRPr lang="en-US"/>
           </a:p>
@@ -2238,7 +2242,7 @@
             <a:fld id="{2D7133BB-EB56-514D-BEB6-6BAC73E13192}" type="slidenum">
               <a:rPr lang="en-US" smtClean="0"/>
               <a:pPr/>
-              <a:t>‹#›</a:t>
+              <a:t>‹nr.›</a:t>
             </a:fld>
             <a:endParaRPr lang="en-US"/>
           </a:p>
@@ -2253,7 +2257,7 @@
 </file>
 
 <file path=ppt/slideLayouts/slideLayout6.xml><?xml version="1.0" encoding="utf-8"?>
-<p:sldLayout xmlns:a="http://schemas.openxmlformats.org/drawingml/2006/main" xmlns:r="http://schemas.openxmlformats.org/officeDocument/2006/relationships" xmlns:mc="http://schemas.openxmlformats.org/markup-compatibility/2006" xmlns:mv="urn:schemas-microsoft-com:mac:vml" xmlns:p="http://schemas.openxmlformats.org/presentationml/2006/main" mc:Ignorable="mv" mc:PreserveAttributes="mv:*" type="titleOnly" preserve="1">
+<p:sldLayout xmlns:a="http://schemas.openxmlformats.org/drawingml/2006/main" xmlns:r="http://schemas.openxmlformats.org/officeDocument/2006/relationships" xmlns:p="http://schemas.openxmlformats.org/presentationml/2006/main" type="titleOnly" preserve="1">
   <p:cSld name="Title Only">
     <p:spTree>
       <p:nvGrpSpPr>
@@ -2310,7 +2314,7 @@
             <a:fld id="{653A51A6-7484-E546-BA42-A31390E7BDE5}" type="datetimeFigureOut">
               <a:rPr lang="en-US" smtClean="0"/>
               <a:pPr/>
-              <a:t>9/10/12</a:t>
+              <a:t>10/17/13</a:t>
             </a:fld>
             <a:endParaRPr lang="en-US"/>
           </a:p>
@@ -2353,7 +2357,7 @@
             <a:fld id="{2D7133BB-EB56-514D-BEB6-6BAC73E13192}" type="slidenum">
               <a:rPr lang="en-US" smtClean="0"/>
               <a:pPr/>
-              <a:t>‹#›</a:t>
+              <a:t>‹nr.›</a:t>
             </a:fld>
             <a:endParaRPr lang="en-US"/>
           </a:p>
@@ -2368,7 +2372,7 @@
 </file>
 
 <file path=ppt/slideLayouts/slideLayout7.xml><?xml version="1.0" encoding="utf-8"?>
-<p:sldLayout xmlns:a="http://schemas.openxmlformats.org/drawingml/2006/main" xmlns:r="http://schemas.openxmlformats.org/officeDocument/2006/relationships" xmlns:mc="http://schemas.openxmlformats.org/markup-compatibility/2006" xmlns:mv="urn:schemas-microsoft-com:mac:vml" xmlns:p="http://schemas.openxmlformats.org/presentationml/2006/main" mc:Ignorable="mv" mc:PreserveAttributes="mv:*" type="blank" preserve="1">
+<p:sldLayout xmlns:a="http://schemas.openxmlformats.org/drawingml/2006/main" xmlns:r="http://schemas.openxmlformats.org/officeDocument/2006/relationships" xmlns:p="http://schemas.openxmlformats.org/presentationml/2006/main" type="blank" preserve="1">
   <p:cSld name="Blank">
     <p:spTree>
       <p:nvGrpSpPr>
@@ -2402,7 +2406,7 @@
             <a:fld id="{653A51A6-7484-E546-BA42-A31390E7BDE5}" type="datetimeFigureOut">
               <a:rPr lang="en-US" smtClean="0"/>
               <a:pPr/>
-              <a:t>9/10/12</a:t>
+              <a:t>10/17/13</a:t>
             </a:fld>
             <a:endParaRPr lang="en-US"/>
           </a:p>
@@ -2445,7 +2449,7 @@
             <a:fld id="{2D7133BB-EB56-514D-BEB6-6BAC73E13192}" type="slidenum">
               <a:rPr lang="en-US" smtClean="0"/>
               <a:pPr/>
-              <a:t>‹#›</a:t>
+              <a:t>‹nr.›</a:t>
             </a:fld>
             <a:endParaRPr lang="en-US"/>
           </a:p>
@@ -2460,7 +2464,7 @@
 </file>
 
 <file path=ppt/slideLayouts/slideLayout8.xml><?xml version="1.0" encoding="utf-8"?>
-<p:sldLayout xmlns:a="http://schemas.openxmlformats.org/drawingml/2006/main" xmlns:r="http://schemas.openxmlformats.org/officeDocument/2006/relationships" xmlns:mc="http://schemas.openxmlformats.org/markup-compatibility/2006" xmlns:mv="urn:schemas-microsoft-com:mac:vml" xmlns:p="http://schemas.openxmlformats.org/presentationml/2006/main" mc:Ignorable="mv" mc:PreserveAttributes="mv:*" type="objTx" preserve="1">
+<p:sldLayout xmlns:a="http://schemas.openxmlformats.org/drawingml/2006/main" xmlns:r="http://schemas.openxmlformats.org/officeDocument/2006/relationships" xmlns:p="http://schemas.openxmlformats.org/presentationml/2006/main" type="objTx" preserve="1">
   <p:cSld name="Content with Caption">
     <p:spTree>
       <p:nvGrpSpPr>
@@ -2676,7 +2680,7 @@
             <a:fld id="{653A51A6-7484-E546-BA42-A31390E7BDE5}" type="datetimeFigureOut">
               <a:rPr lang="en-US" smtClean="0"/>
               <a:pPr/>
-              <a:t>9/10/12</a:t>
+              <a:t>10/17/13</a:t>
             </a:fld>
             <a:endParaRPr lang="en-US"/>
           </a:p>
@@ -2719,7 +2723,7 @@
             <a:fld id="{2D7133BB-EB56-514D-BEB6-6BAC73E13192}" type="slidenum">
               <a:rPr lang="en-US" smtClean="0"/>
               <a:pPr/>
-              <a:t>‹#›</a:t>
+              <a:t>‹nr.›</a:t>
             </a:fld>
             <a:endParaRPr lang="en-US"/>
           </a:p>
@@ -2734,7 +2738,7 @@
 </file>
 
 <file path=ppt/slideLayouts/slideLayout9.xml><?xml version="1.0" encoding="utf-8"?>
-<p:sldLayout xmlns:a="http://schemas.openxmlformats.org/drawingml/2006/main" xmlns:r="http://schemas.openxmlformats.org/officeDocument/2006/relationships" xmlns:mc="http://schemas.openxmlformats.org/markup-compatibility/2006" xmlns:mv="urn:schemas-microsoft-com:mac:vml" xmlns:p="http://schemas.openxmlformats.org/presentationml/2006/main" mc:Ignorable="mv" mc:PreserveAttributes="mv:*" type="picTx" preserve="1">
+<p:sldLayout xmlns:a="http://schemas.openxmlformats.org/drawingml/2006/main" xmlns:r="http://schemas.openxmlformats.org/officeDocument/2006/relationships" xmlns:p="http://schemas.openxmlformats.org/presentationml/2006/main" type="picTx" preserve="1">
   <p:cSld name="Picture with Caption">
     <p:spTree>
       <p:nvGrpSpPr>
@@ -2926,7 +2930,7 @@
             <a:fld id="{653A51A6-7484-E546-BA42-A31390E7BDE5}" type="datetimeFigureOut">
               <a:rPr lang="en-US" smtClean="0"/>
               <a:pPr/>
-              <a:t>9/10/12</a:t>
+              <a:t>10/17/13</a:t>
             </a:fld>
             <a:endParaRPr lang="en-US"/>
           </a:p>
@@ -2969,7 +2973,7 @@
             <a:fld id="{2D7133BB-EB56-514D-BEB6-6BAC73E13192}" type="slidenum">
               <a:rPr lang="en-US" smtClean="0"/>
               <a:pPr/>
-              <a:t>‹#›</a:t>
+              <a:t>‹nr.›</a:t>
             </a:fld>
             <a:endParaRPr lang="en-US"/>
           </a:p>
@@ -2984,7 +2988,7 @@
 </file>
 
 <file path=ppt/slideMasters/slideMaster1.xml><?xml version="1.0" encoding="utf-8"?>
-<p:sldMaster xmlns:a="http://schemas.openxmlformats.org/drawingml/2006/main" xmlns:r="http://schemas.openxmlformats.org/officeDocument/2006/relationships" xmlns:mc="http://schemas.openxmlformats.org/markup-compatibility/2006" xmlns:mv="urn:schemas-microsoft-com:mac:vml" xmlns:p="http://schemas.openxmlformats.org/presentationml/2006/main" mc:Ignorable="mv" mc:PreserveAttributes="mv:*">
+<p:sldMaster xmlns:a="http://schemas.openxmlformats.org/drawingml/2006/main" xmlns:r="http://schemas.openxmlformats.org/officeDocument/2006/relationships" xmlns:p="http://schemas.openxmlformats.org/presentationml/2006/main">
   <p:cSld>
     <p:bg>
       <p:bgRef idx="1001">
@@ -3136,7 +3140,7 @@
             <a:fld id="{653A51A6-7484-E546-BA42-A31390E7BDE5}" type="datetimeFigureOut">
               <a:rPr lang="en-US" smtClean="0"/>
               <a:pPr/>
-              <a:t>9/10/12</a:t>
+              <a:t>10/17/13</a:t>
             </a:fld>
             <a:endParaRPr lang="en-US"/>
           </a:p>
@@ -3215,7 +3219,7 @@
             <a:fld id="{2D7133BB-EB56-514D-BEB6-6BAC73E13192}" type="slidenum">
               <a:rPr lang="en-US" smtClean="0"/>
               <a:pPr/>
-              <a:t>‹#›</a:t>
+              <a:t>‹nr.›</a:t>
             </a:fld>
             <a:endParaRPr lang="en-US"/>
           </a:p>
@@ -3491,7 +3495,7 @@
 </file>
 
 <file path=ppt/slides/slide1.xml><?xml version="1.0" encoding="utf-8"?>
-<p:sld xmlns:a="http://schemas.openxmlformats.org/drawingml/2006/main" xmlns:r="http://schemas.openxmlformats.org/officeDocument/2006/relationships" xmlns:mc="http://schemas.openxmlformats.org/markup-compatibility/2006" xmlns:mv="urn:schemas-microsoft-com:mac:vml" xmlns:p="http://schemas.openxmlformats.org/presentationml/2006/main" mc:Ignorable="mv" mc:PreserveAttributes="mv:*">
+<p:sld xmlns:a="http://schemas.openxmlformats.org/drawingml/2006/main" xmlns:r="http://schemas.openxmlformats.org/officeDocument/2006/relationships" xmlns:p="http://schemas.openxmlformats.org/presentationml/2006/main">
   <p:cSld>
     <p:spTree>
       <p:nvGrpSpPr>
@@ -3545,14 +3549,6 @@
           <a:bodyPr/>
           <a:lstStyle/>
           <a:p>
-            <a:r>
-              <a:rPr lang="en-US" dirty="0" smtClean="0"/>
-              <a:t>12 September 2012</a:t>
-            </a:r>
-            <a:r>
-              <a:rPr lang="en-US" smtClean="0"/>
-              <a:t>, 14.30-18.00</a:t>
-            </a:r>
             <a:endParaRPr lang="en-US" dirty="0"/>
           </a:p>
         </p:txBody>
@@ -3565,7 +3561,7 @@
   <p:timing>
     <p:tnLst>
       <p:par>
-        <p:cTn id="1" dur="indefinite" restart="never" nodeType="tmRoot"/>
+        <p:cTn xmlns:p14="http://schemas.microsoft.com/office/powerpoint/2010/main" id="1" dur="indefinite" restart="never" nodeType="tmRoot"/>
       </p:par>
     </p:tnLst>
   </p:timing>
@@ -3573,7 +3569,7 @@
 </file>
 
 <file path=ppt/slides/slide2.xml><?xml version="1.0" encoding="utf-8"?>
-<p:sld xmlns:a="http://schemas.openxmlformats.org/drawingml/2006/main" xmlns:r="http://schemas.openxmlformats.org/officeDocument/2006/relationships" xmlns:mc="http://schemas.openxmlformats.org/markup-compatibility/2006" xmlns:mv="urn:schemas-microsoft-com:mac:vml" xmlns:p="http://schemas.openxmlformats.org/presentationml/2006/main" mc:Ignorable="mv" mc:PreserveAttributes="mv:*">
+<p:sld xmlns:a="http://schemas.openxmlformats.org/drawingml/2006/main" xmlns:r="http://schemas.openxmlformats.org/officeDocument/2006/relationships" xmlns:p="http://schemas.openxmlformats.org/presentationml/2006/main">
   <p:cSld>
     <p:spTree>
       <p:nvGrpSpPr>
@@ -3661,7 +3657,7 @@
   <p:timing>
     <p:tnLst>
       <p:par>
-        <p:cTn id="1" dur="indefinite" restart="never" nodeType="tmRoot"/>
+        <p:cTn xmlns:p14="http://schemas.microsoft.com/office/powerpoint/2010/main" id="1" dur="indefinite" restart="never" nodeType="tmRoot"/>
       </p:par>
     </p:tnLst>
   </p:timing>
@@ -3669,7 +3665,7 @@
 </file>
 
 <file path=ppt/slides/slide3.xml><?xml version="1.0" encoding="utf-8"?>
-<p:sld xmlns:a="http://schemas.openxmlformats.org/drawingml/2006/main" xmlns:r="http://schemas.openxmlformats.org/officeDocument/2006/relationships" xmlns:mc="http://schemas.openxmlformats.org/markup-compatibility/2006" xmlns:mv="urn:schemas-microsoft-com:mac:vml" xmlns:p="http://schemas.openxmlformats.org/presentationml/2006/main" mc:Ignorable="mv" mc:PreserveAttributes="mv:*">
+<p:sld xmlns:a="http://schemas.openxmlformats.org/drawingml/2006/main" xmlns:r="http://schemas.openxmlformats.org/officeDocument/2006/relationships" xmlns:p="http://schemas.openxmlformats.org/presentationml/2006/main">
   <p:cSld>
     <p:spTree>
       <p:nvGrpSpPr>
@@ -3750,7 +3746,7 @@
   <p:timing>
     <p:tnLst>
       <p:par>
-        <p:cTn id="1" dur="indefinite" restart="never" nodeType="tmRoot"/>
+        <p:cTn xmlns:p14="http://schemas.microsoft.com/office/powerpoint/2010/main" id="1" dur="indefinite" restart="never" nodeType="tmRoot"/>
       </p:par>
     </p:tnLst>
   </p:timing>
@@ -3758,7 +3754,7 @@
 </file>
 
 <file path=ppt/slides/slide4.xml><?xml version="1.0" encoding="utf-8"?>
-<p:sld xmlns:a="http://schemas.openxmlformats.org/drawingml/2006/main" xmlns:r="http://schemas.openxmlformats.org/officeDocument/2006/relationships" xmlns:mc="http://schemas.openxmlformats.org/markup-compatibility/2006" xmlns:mv="urn:schemas-microsoft-com:mac:vml" xmlns:p="http://schemas.openxmlformats.org/presentationml/2006/main" mc:Ignorable="mv" mc:PreserveAttributes="mv:*">
+<p:sld xmlns:a="http://schemas.openxmlformats.org/drawingml/2006/main" xmlns:r="http://schemas.openxmlformats.org/officeDocument/2006/relationships" xmlns:p="http://schemas.openxmlformats.org/presentationml/2006/main">
   <p:cSld>
     <p:spTree>
       <p:nvGrpSpPr>
@@ -3791,7 +3787,7 @@
           <a:p>
             <a:r>
               <a:rPr lang="en-US" dirty="0" smtClean="0"/>
-              <a:t>Project management</a:t>
+              <a:t>Project organization</a:t>
             </a:r>
             <a:endParaRPr lang="en-US" dirty="0"/>
           </a:p>
@@ -3809,10 +3805,72 @@
         </p:nvSpPr>
         <p:spPr/>
         <p:txBody>
-          <a:bodyPr/>
-          <a:lstStyle/>
-          <a:p>
-            <a:endParaRPr lang="en-US"/>
+          <a:bodyPr>
+            <a:normAutofit fontScale="92500" lnSpcReduction="20000"/>
+          </a:bodyPr>
+          <a:lstStyle/>
+          <a:p>
+            <a:r>
+              <a:rPr lang="en-US" dirty="0" smtClean="0"/>
+              <a:t>store all of the files relevant to one project under a common root directory</a:t>
+            </a:r>
+          </a:p>
+          <a:p>
+            <a:r>
+              <a:rPr lang="en-US" dirty="0" smtClean="0"/>
+              <a:t>logical top-level organization</a:t>
+            </a:r>
+          </a:p>
+          <a:p>
+            <a:pPr lvl="1"/>
+            <a:r>
+              <a:rPr lang="en-US" dirty="0" smtClean="0"/>
+              <a:t>doc</a:t>
+            </a:r>
+          </a:p>
+          <a:p>
+            <a:pPr lvl="1"/>
+            <a:r>
+              <a:rPr lang="en-US" dirty="0" smtClean="0"/>
+              <a:t>data</a:t>
+            </a:r>
+          </a:p>
+          <a:p>
+            <a:pPr lvl="1"/>
+            <a:r>
+              <a:rPr lang="en-US" dirty="0" err="1" smtClean="0"/>
+              <a:t>src</a:t>
+            </a:r>
+            <a:endParaRPr lang="en-US" dirty="0" smtClean="0"/>
+          </a:p>
+          <a:p>
+            <a:pPr lvl="1"/>
+            <a:r>
+              <a:rPr lang="en-US" dirty="0" smtClean="0"/>
+              <a:t>bin</a:t>
+            </a:r>
+          </a:p>
+          <a:p>
+            <a:pPr lvl="1"/>
+            <a:r>
+              <a:rPr lang="en-US" dirty="0" smtClean="0"/>
+              <a:t>results</a:t>
+            </a:r>
+          </a:p>
+          <a:p>
+            <a:r>
+              <a:rPr lang="en-US" dirty="0" smtClean="0"/>
+              <a:t>chronological Secondary organization</a:t>
+            </a:r>
+          </a:p>
+          <a:p>
+            <a:r>
+              <a:rPr lang="en-US" dirty="0" smtClean="0"/>
+              <a:t>logical tertiary organization</a:t>
+            </a:r>
+          </a:p>
+          <a:p>
+            <a:endParaRPr lang="en-US" dirty="0"/>
           </a:p>
         </p:txBody>
       </p:sp>
@@ -3825,136 +3883,7 @@
 </file>
 
 <file path=ppt/slides/slide5.xml><?xml version="1.0" encoding="utf-8"?>
-<p:sld xmlns:a="http://schemas.openxmlformats.org/drawingml/2006/main" xmlns:r="http://schemas.openxmlformats.org/officeDocument/2006/relationships" xmlns:mc="http://schemas.openxmlformats.org/markup-compatibility/2006" xmlns:mv="urn:schemas-microsoft-com:mac:vml" xmlns:p="http://schemas.openxmlformats.org/presentationml/2006/main" mc:Ignorable="mv" mc:PreserveAttributes="mv:*">
-  <p:cSld>
-    <p:spTree>
-      <p:nvGrpSpPr>
-        <p:cNvPr id="1" name=""/>
-        <p:cNvGrpSpPr/>
-        <p:nvPr/>
-      </p:nvGrpSpPr>
-      <p:grpSpPr>
-        <a:xfrm>
-          <a:off x="0" y="0"/>
-          <a:ext cx="0" cy="0"/>
-          <a:chOff x="0" y="0"/>
-          <a:chExt cx="0" cy="0"/>
-        </a:xfrm>
-      </p:grpSpPr>
-      <p:sp>
-        <p:nvSpPr>
-          <p:cNvPr id="2" name="Title 1"/>
-          <p:cNvSpPr>
-            <a:spLocks noGrp="1"/>
-          </p:cNvSpPr>
-          <p:nvPr>
-            <p:ph type="title"/>
-          </p:nvPr>
-        </p:nvSpPr>
-        <p:spPr/>
-        <p:txBody>
-          <a:bodyPr/>
-          <a:lstStyle/>
-          <a:p>
-            <a:r>
-              <a:rPr lang="en-US" dirty="0" smtClean="0"/>
-              <a:t>Project organization</a:t>
-            </a:r>
-            <a:endParaRPr lang="en-US" dirty="0"/>
-          </a:p>
-        </p:txBody>
-      </p:sp>
-      <p:sp>
-        <p:nvSpPr>
-          <p:cNvPr id="3" name="Content Placeholder 2"/>
-          <p:cNvSpPr>
-            <a:spLocks noGrp="1"/>
-          </p:cNvSpPr>
-          <p:nvPr>
-            <p:ph idx="1"/>
-          </p:nvPr>
-        </p:nvSpPr>
-        <p:spPr/>
-        <p:txBody>
-          <a:bodyPr>
-            <a:normAutofit fontScale="92500" lnSpcReduction="20000"/>
-          </a:bodyPr>
-          <a:lstStyle/>
-          <a:p>
-            <a:r>
-              <a:rPr lang="en-US" dirty="0" smtClean="0"/>
-              <a:t>store all of the files relevant to one project under a common root directory</a:t>
-            </a:r>
-          </a:p>
-          <a:p>
-            <a:r>
-              <a:rPr lang="en-US" dirty="0" smtClean="0"/>
-              <a:t>logical top-level organization</a:t>
-            </a:r>
-          </a:p>
-          <a:p>
-            <a:pPr lvl="1"/>
-            <a:r>
-              <a:rPr lang="en-US" dirty="0" smtClean="0"/>
-              <a:t>doc</a:t>
-            </a:r>
-          </a:p>
-          <a:p>
-            <a:pPr lvl="1"/>
-            <a:r>
-              <a:rPr lang="en-US" dirty="0" smtClean="0"/>
-              <a:t>data</a:t>
-            </a:r>
-          </a:p>
-          <a:p>
-            <a:pPr lvl="1"/>
-            <a:r>
-              <a:rPr lang="en-US" dirty="0" err="1" smtClean="0"/>
-              <a:t>src</a:t>
-            </a:r>
-            <a:endParaRPr lang="en-US" dirty="0" smtClean="0"/>
-          </a:p>
-          <a:p>
-            <a:pPr lvl="1"/>
-            <a:r>
-              <a:rPr lang="en-US" dirty="0" smtClean="0"/>
-              <a:t>bin</a:t>
-            </a:r>
-          </a:p>
-          <a:p>
-            <a:pPr lvl="1"/>
-            <a:r>
-              <a:rPr lang="en-US" dirty="0" smtClean="0"/>
-              <a:t>results</a:t>
-            </a:r>
-          </a:p>
-          <a:p>
-            <a:r>
-              <a:rPr lang="en-US" dirty="0" smtClean="0"/>
-              <a:t>chronological Secondary organization</a:t>
-            </a:r>
-          </a:p>
-          <a:p>
-            <a:r>
-              <a:rPr lang="en-US" dirty="0" smtClean="0"/>
-              <a:t>logical tertiary organization</a:t>
-            </a:r>
-          </a:p>
-          <a:p>
-            <a:endParaRPr lang="en-US" dirty="0"/>
-          </a:p>
-        </p:txBody>
-      </p:sp>
-    </p:spTree>
-  </p:cSld>
-  <p:clrMapOvr>
-    <a:masterClrMapping/>
-  </p:clrMapOvr>
-</p:sld>
-</file>
-
-<file path=ppt/slides/slide6.xml><?xml version="1.0" encoding="utf-8"?>
-<p:sld xmlns:a="http://schemas.openxmlformats.org/drawingml/2006/main" xmlns:r="http://schemas.openxmlformats.org/officeDocument/2006/relationships" xmlns:mc="http://schemas.openxmlformats.org/markup-compatibility/2006" xmlns:mv="urn:schemas-microsoft-com:mac:vml" xmlns:p="http://schemas.openxmlformats.org/presentationml/2006/main" mc:Ignorable="mv" mc:PreserveAttributes="mv:*">
+<p:sld xmlns:a="http://schemas.openxmlformats.org/drawingml/2006/main" xmlns:r="http://schemas.openxmlformats.org/officeDocument/2006/relationships" xmlns:p="http://schemas.openxmlformats.org/presentationml/2006/main">
   <p:cSld>
     <p:spTree>
       <p:nvGrpSpPr>
@@ -4056,8 +3985,8 @@
 </p:sld>
 </file>
 
-<file path=ppt/slides/slide7.xml><?xml version="1.0" encoding="utf-8"?>
-<p:sld xmlns:a="http://schemas.openxmlformats.org/drawingml/2006/main" xmlns:r="http://schemas.openxmlformats.org/officeDocument/2006/relationships" xmlns:mc="http://schemas.openxmlformats.org/markup-compatibility/2006" xmlns:mv="urn:schemas-microsoft-com:mac:vml" xmlns:p="http://schemas.openxmlformats.org/presentationml/2006/main" mc:Ignorable="mv" mc:PreserveAttributes="mv:*">
+<file path=ppt/slides/slide6.xml><?xml version="1.0" encoding="utf-8"?>
+<p:sld xmlns:a="http://schemas.openxmlformats.org/drawingml/2006/main" xmlns:r="http://schemas.openxmlformats.org/officeDocument/2006/relationships" xmlns:p="http://schemas.openxmlformats.org/presentationml/2006/main">
   <p:cSld>
     <p:spTree>
       <p:nvGrpSpPr>
@@ -4086,21 +4015,13 @@
         <p:spPr/>
         <p:txBody>
           <a:bodyPr>
-            <a:normAutofit fontScale="90000"/>
+            <a:normAutofit/>
           </a:bodyPr>
           <a:lstStyle/>
           <a:p>
             <a:r>
               <a:rPr lang="en-US" dirty="0" smtClean="0"/>
-              <a:t>Exercise: download and unzip </a:t>
-            </a:r>
-            <a:r>
-              <a:rPr lang="en-US" dirty="0" err="1" smtClean="0"/>
-              <a:t>git</a:t>
-            </a:r>
-            <a:r>
-              <a:rPr lang="en-US" dirty="0" smtClean="0"/>
-              <a:t> repo</a:t>
+              <a:t>Exercise</a:t>
             </a:r>
             <a:endParaRPr lang="en-US" dirty="0"/>
           </a:p>

--- a/doc/slides/day2/session2/ProjectOrg.pptx
+++ b/doc/slides/day2/session2/ProjectOrg.pptx
@@ -198,7 +198,7 @@
             <a:fld id="{A3D1AA53-AABD-6B49-992F-E061A7498157}" type="datetimeFigureOut">
               <a:rPr lang="en-US" smtClean="0"/>
               <a:pPr/>
-              <a:t>10/17/13</a:t>
+              <a:t>10/18/13</a:t>
             </a:fld>
             <a:endParaRPr lang="en-US"/>
           </a:p>
@@ -360,7 +360,7 @@
             <a:fld id="{5C6AEE8C-7E75-B34B-94B0-1167AF240711}" type="slidenum">
               <a:rPr lang="en-US" smtClean="0"/>
               <a:pPr/>
-              <a:t>‹nr.›</a:t>
+              <a:t>‹#›</a:t>
             </a:fld>
             <a:endParaRPr lang="en-US"/>
           </a:p>
@@ -741,7 +741,7 @@
             <a:fld id="{653A51A6-7484-E546-BA42-A31390E7BDE5}" type="datetimeFigureOut">
               <a:rPr lang="en-US" smtClean="0"/>
               <a:pPr/>
-              <a:t>10/17/13</a:t>
+              <a:t>10/18/13</a:t>
             </a:fld>
             <a:endParaRPr lang="en-US"/>
           </a:p>
@@ -784,7 +784,7 @@
             <a:fld id="{2D7133BB-EB56-514D-BEB6-6BAC73E13192}" type="slidenum">
               <a:rPr lang="en-US" smtClean="0"/>
               <a:pPr/>
-              <a:t>‹nr.›</a:t>
+              <a:t>‹#›</a:t>
             </a:fld>
             <a:endParaRPr lang="en-US"/>
           </a:p>
@@ -908,7 +908,7 @@
             <a:fld id="{653A51A6-7484-E546-BA42-A31390E7BDE5}" type="datetimeFigureOut">
               <a:rPr lang="en-US" smtClean="0"/>
               <a:pPr/>
-              <a:t>10/17/13</a:t>
+              <a:t>10/18/13</a:t>
             </a:fld>
             <a:endParaRPr lang="en-US"/>
           </a:p>
@@ -951,7 +951,7 @@
             <a:fld id="{2D7133BB-EB56-514D-BEB6-6BAC73E13192}" type="slidenum">
               <a:rPr lang="en-US" smtClean="0"/>
               <a:pPr/>
-              <a:t>‹nr.›</a:t>
+              <a:t>‹#›</a:t>
             </a:fld>
             <a:endParaRPr lang="en-US"/>
           </a:p>
@@ -1085,7 +1085,7 @@
             <a:fld id="{653A51A6-7484-E546-BA42-A31390E7BDE5}" type="datetimeFigureOut">
               <a:rPr lang="en-US" smtClean="0"/>
               <a:pPr/>
-              <a:t>10/17/13</a:t>
+              <a:t>10/18/13</a:t>
             </a:fld>
             <a:endParaRPr lang="en-US"/>
           </a:p>
@@ -1128,7 +1128,7 @@
             <a:fld id="{2D7133BB-EB56-514D-BEB6-6BAC73E13192}" type="slidenum">
               <a:rPr lang="en-US" smtClean="0"/>
               <a:pPr/>
-              <a:t>‹nr.›</a:t>
+              <a:t>‹#›</a:t>
             </a:fld>
             <a:endParaRPr lang="en-US"/>
           </a:p>
@@ -1252,7 +1252,7 @@
             <a:fld id="{653A51A6-7484-E546-BA42-A31390E7BDE5}" type="datetimeFigureOut">
               <a:rPr lang="en-US" smtClean="0"/>
               <a:pPr/>
-              <a:t>10/17/13</a:t>
+              <a:t>10/18/13</a:t>
             </a:fld>
             <a:endParaRPr lang="en-US"/>
           </a:p>
@@ -1295,7 +1295,7 @@
             <a:fld id="{2D7133BB-EB56-514D-BEB6-6BAC73E13192}" type="slidenum">
               <a:rPr lang="en-US" smtClean="0"/>
               <a:pPr/>
-              <a:t>‹nr.›</a:t>
+              <a:t>‹#›</a:t>
             </a:fld>
             <a:endParaRPr lang="en-US"/>
           </a:p>
@@ -1495,7 +1495,7 @@
             <a:fld id="{653A51A6-7484-E546-BA42-A31390E7BDE5}" type="datetimeFigureOut">
               <a:rPr lang="en-US" smtClean="0"/>
               <a:pPr/>
-              <a:t>10/17/13</a:t>
+              <a:t>10/18/13</a:t>
             </a:fld>
             <a:endParaRPr lang="en-US"/>
           </a:p>
@@ -1538,7 +1538,7 @@
             <a:fld id="{2D7133BB-EB56-514D-BEB6-6BAC73E13192}" type="slidenum">
               <a:rPr lang="en-US" smtClean="0"/>
               <a:pPr/>
-              <a:t>‹nr.›</a:t>
+              <a:t>‹#›</a:t>
             </a:fld>
             <a:endParaRPr lang="en-US"/>
           </a:p>
@@ -1780,7 +1780,7 @@
             <a:fld id="{653A51A6-7484-E546-BA42-A31390E7BDE5}" type="datetimeFigureOut">
               <a:rPr lang="en-US" smtClean="0"/>
               <a:pPr/>
-              <a:t>10/17/13</a:t>
+              <a:t>10/18/13</a:t>
             </a:fld>
             <a:endParaRPr lang="en-US"/>
           </a:p>
@@ -1823,7 +1823,7 @@
             <a:fld id="{2D7133BB-EB56-514D-BEB6-6BAC73E13192}" type="slidenum">
               <a:rPr lang="en-US" smtClean="0"/>
               <a:pPr/>
-              <a:t>‹nr.›</a:t>
+              <a:t>‹#›</a:t>
             </a:fld>
             <a:endParaRPr lang="en-US"/>
           </a:p>
@@ -2199,7 +2199,7 @@
             <a:fld id="{653A51A6-7484-E546-BA42-A31390E7BDE5}" type="datetimeFigureOut">
               <a:rPr lang="en-US" smtClean="0"/>
               <a:pPr/>
-              <a:t>10/17/13</a:t>
+              <a:t>10/18/13</a:t>
             </a:fld>
             <a:endParaRPr lang="en-US"/>
           </a:p>
@@ -2242,7 +2242,7 @@
             <a:fld id="{2D7133BB-EB56-514D-BEB6-6BAC73E13192}" type="slidenum">
               <a:rPr lang="en-US" smtClean="0"/>
               <a:pPr/>
-              <a:t>‹nr.›</a:t>
+              <a:t>‹#›</a:t>
             </a:fld>
             <a:endParaRPr lang="en-US"/>
           </a:p>
@@ -2314,7 +2314,7 @@
             <a:fld id="{653A51A6-7484-E546-BA42-A31390E7BDE5}" type="datetimeFigureOut">
               <a:rPr lang="en-US" smtClean="0"/>
               <a:pPr/>
-              <a:t>10/17/13</a:t>
+              <a:t>10/18/13</a:t>
             </a:fld>
             <a:endParaRPr lang="en-US"/>
           </a:p>
@@ -2357,7 +2357,7 @@
             <a:fld id="{2D7133BB-EB56-514D-BEB6-6BAC73E13192}" type="slidenum">
               <a:rPr lang="en-US" smtClean="0"/>
               <a:pPr/>
-              <a:t>‹nr.›</a:t>
+              <a:t>‹#›</a:t>
             </a:fld>
             <a:endParaRPr lang="en-US"/>
           </a:p>
@@ -2406,7 +2406,7 @@
             <a:fld id="{653A51A6-7484-E546-BA42-A31390E7BDE5}" type="datetimeFigureOut">
               <a:rPr lang="en-US" smtClean="0"/>
               <a:pPr/>
-              <a:t>10/17/13</a:t>
+              <a:t>10/18/13</a:t>
             </a:fld>
             <a:endParaRPr lang="en-US"/>
           </a:p>
@@ -2449,7 +2449,7 @@
             <a:fld id="{2D7133BB-EB56-514D-BEB6-6BAC73E13192}" type="slidenum">
               <a:rPr lang="en-US" smtClean="0"/>
               <a:pPr/>
-              <a:t>‹nr.›</a:t>
+              <a:t>‹#›</a:t>
             </a:fld>
             <a:endParaRPr lang="en-US"/>
           </a:p>
@@ -2680,7 +2680,7 @@
             <a:fld id="{653A51A6-7484-E546-BA42-A31390E7BDE5}" type="datetimeFigureOut">
               <a:rPr lang="en-US" smtClean="0"/>
               <a:pPr/>
-              <a:t>10/17/13</a:t>
+              <a:t>10/18/13</a:t>
             </a:fld>
             <a:endParaRPr lang="en-US"/>
           </a:p>
@@ -2723,7 +2723,7 @@
             <a:fld id="{2D7133BB-EB56-514D-BEB6-6BAC73E13192}" type="slidenum">
               <a:rPr lang="en-US" smtClean="0"/>
               <a:pPr/>
-              <a:t>‹nr.›</a:t>
+              <a:t>‹#›</a:t>
             </a:fld>
             <a:endParaRPr lang="en-US"/>
           </a:p>
@@ -2930,7 +2930,7 @@
             <a:fld id="{653A51A6-7484-E546-BA42-A31390E7BDE5}" type="datetimeFigureOut">
               <a:rPr lang="en-US" smtClean="0"/>
               <a:pPr/>
-              <a:t>10/17/13</a:t>
+              <a:t>10/18/13</a:t>
             </a:fld>
             <a:endParaRPr lang="en-US"/>
           </a:p>
@@ -2973,7 +2973,7 @@
             <a:fld id="{2D7133BB-EB56-514D-BEB6-6BAC73E13192}" type="slidenum">
               <a:rPr lang="en-US" smtClean="0"/>
               <a:pPr/>
-              <a:t>‹nr.›</a:t>
+              <a:t>‹#›</a:t>
             </a:fld>
             <a:endParaRPr lang="en-US"/>
           </a:p>
@@ -3140,7 +3140,7 @@
             <a:fld id="{653A51A6-7484-E546-BA42-A31390E7BDE5}" type="datetimeFigureOut">
               <a:rPr lang="en-US" smtClean="0"/>
               <a:pPr/>
-              <a:t>10/17/13</a:t>
+              <a:t>10/18/13</a:t>
             </a:fld>
             <a:endParaRPr lang="en-US"/>
           </a:p>
@@ -3219,7 +3219,7 @@
             <a:fld id="{2D7133BB-EB56-514D-BEB6-6BAC73E13192}" type="slidenum">
               <a:rPr lang="en-US" smtClean="0"/>
               <a:pPr/>
-              <a:t>‹nr.›</a:t>
+              <a:t>‹#›</a:t>
             </a:fld>
             <a:endParaRPr lang="en-US"/>
           </a:p>
@@ -3534,25 +3534,6 @@
           </a:p>
         </p:txBody>
       </p:sp>
-      <p:sp>
-        <p:nvSpPr>
-          <p:cNvPr id="3" name="Subtitle 2"/>
-          <p:cNvSpPr>
-            <a:spLocks noGrp="1"/>
-          </p:cNvSpPr>
-          <p:nvPr>
-            <p:ph type="subTitle" idx="1"/>
-          </p:nvPr>
-        </p:nvSpPr>
-        <p:spPr/>
-        <p:txBody>
-          <a:bodyPr/>
-          <a:lstStyle/>
-          <a:p>
-            <a:endParaRPr lang="en-US" dirty="0"/>
-          </a:p>
-        </p:txBody>
-      </p:sp>
     </p:spTree>
   </p:cSld>
   <p:clrMapOvr>
@@ -3832,14 +3813,19 @@
             <a:pPr lvl="1"/>
             <a:r>
               <a:rPr lang="en-US" dirty="0" smtClean="0"/>
-              <a:t>data</a:t>
-            </a:r>
+              <a:t>Data</a:t>
+            </a:r>
+            <a:endParaRPr lang="en-US" dirty="0" smtClean="0"/>
           </a:p>
           <a:p>
             <a:pPr lvl="1"/>
             <a:r>
+              <a:rPr lang="en-US" dirty="0" err="1"/>
+              <a:t>s</a:t>
+            </a:r>
+            <a:r>
               <a:rPr lang="en-US" dirty="0" err="1" smtClean="0"/>
-              <a:t>src</a:t>
+              <a:t>rc</a:t>
             </a:r>
             <a:endParaRPr lang="en-US" dirty="0" smtClean="0"/>
           </a:p>
@@ -3849,6 +3835,7 @@
               <a:rPr lang="en-US" dirty="0" smtClean="0"/>
               <a:t>bin</a:t>
             </a:r>
+            <a:endParaRPr lang="en-US" dirty="0" smtClean="0"/>
           </a:p>
           <a:p>
             <a:pPr lvl="1"/>
@@ -4039,11 +4026,24 @@
         </p:nvSpPr>
         <p:spPr/>
         <p:txBody>
-          <a:bodyPr/>
-          <a:lstStyle/>
-          <a:p>
+          <a:bodyPr>
+            <a:normAutofit fontScale="92500" lnSpcReduction="10000"/>
+          </a:bodyPr>
+          <a:lstStyle/>
+          <a:p>
+            <a:r>
+              <a:rPr lang="en-US" dirty="0" smtClean="0"/>
+              <a:t>In the same Teams, modify your scripts from session1 to take, as arguments, just the reference and raw file names instead of the full paths to the files.  They should then create a timestamp subdirectory in the project results directory, and place all results in that directory instead of in the current working directory. (hint: ‘~/’ is a special path that might </a:t>
+            </a:r>
             <a:r>
               <a:rPr lang="en-US" smtClean="0"/>
+              <a:t>be useful)</a:t>
+            </a:r>
+            <a:endParaRPr lang="en-US" dirty="0" smtClean="0"/>
+          </a:p>
+          <a:p>
+            <a:r>
+              <a:rPr lang="en-US" dirty="0" smtClean="0"/>
               <a:t>Read </a:t>
             </a:r>
             <a:r>

--- a/doc/slides/day2/session2/ProjectOrg.pptx
+++ b/doc/slides/day2/session2/ProjectOrg.pptx
@@ -198,7 +198,7 @@
             <a:fld id="{A3D1AA53-AABD-6B49-992F-E061A7498157}" type="datetimeFigureOut">
               <a:rPr lang="en-US" smtClean="0"/>
               <a:pPr/>
-              <a:t>10/18/13</a:t>
+              <a:t>10/22/13</a:t>
             </a:fld>
             <a:endParaRPr lang="en-US"/>
           </a:p>
@@ -741,7 +741,7 @@
             <a:fld id="{653A51A6-7484-E546-BA42-A31390E7BDE5}" type="datetimeFigureOut">
               <a:rPr lang="en-US" smtClean="0"/>
               <a:pPr/>
-              <a:t>10/18/13</a:t>
+              <a:t>10/22/13</a:t>
             </a:fld>
             <a:endParaRPr lang="en-US"/>
           </a:p>
@@ -908,7 +908,7 @@
             <a:fld id="{653A51A6-7484-E546-BA42-A31390E7BDE5}" type="datetimeFigureOut">
               <a:rPr lang="en-US" smtClean="0"/>
               <a:pPr/>
-              <a:t>10/18/13</a:t>
+              <a:t>10/22/13</a:t>
             </a:fld>
             <a:endParaRPr lang="en-US"/>
           </a:p>
@@ -1085,7 +1085,7 @@
             <a:fld id="{653A51A6-7484-E546-BA42-A31390E7BDE5}" type="datetimeFigureOut">
               <a:rPr lang="en-US" smtClean="0"/>
               <a:pPr/>
-              <a:t>10/18/13</a:t>
+              <a:t>10/22/13</a:t>
             </a:fld>
             <a:endParaRPr lang="en-US"/>
           </a:p>
@@ -1252,7 +1252,7 @@
             <a:fld id="{653A51A6-7484-E546-BA42-A31390E7BDE5}" type="datetimeFigureOut">
               <a:rPr lang="en-US" smtClean="0"/>
               <a:pPr/>
-              <a:t>10/18/13</a:t>
+              <a:t>10/22/13</a:t>
             </a:fld>
             <a:endParaRPr lang="en-US"/>
           </a:p>
@@ -1495,7 +1495,7 @@
             <a:fld id="{653A51A6-7484-E546-BA42-A31390E7BDE5}" type="datetimeFigureOut">
               <a:rPr lang="en-US" smtClean="0"/>
               <a:pPr/>
-              <a:t>10/18/13</a:t>
+              <a:t>10/22/13</a:t>
             </a:fld>
             <a:endParaRPr lang="en-US"/>
           </a:p>
@@ -1780,7 +1780,7 @@
             <a:fld id="{653A51A6-7484-E546-BA42-A31390E7BDE5}" type="datetimeFigureOut">
               <a:rPr lang="en-US" smtClean="0"/>
               <a:pPr/>
-              <a:t>10/18/13</a:t>
+              <a:t>10/22/13</a:t>
             </a:fld>
             <a:endParaRPr lang="en-US"/>
           </a:p>
@@ -2199,7 +2199,7 @@
             <a:fld id="{653A51A6-7484-E546-BA42-A31390E7BDE5}" type="datetimeFigureOut">
               <a:rPr lang="en-US" smtClean="0"/>
               <a:pPr/>
-              <a:t>10/18/13</a:t>
+              <a:t>10/22/13</a:t>
             </a:fld>
             <a:endParaRPr lang="en-US"/>
           </a:p>
@@ -2314,7 +2314,7 @@
             <a:fld id="{653A51A6-7484-E546-BA42-A31390E7BDE5}" type="datetimeFigureOut">
               <a:rPr lang="en-US" smtClean="0"/>
               <a:pPr/>
-              <a:t>10/18/13</a:t>
+              <a:t>10/22/13</a:t>
             </a:fld>
             <a:endParaRPr lang="en-US"/>
           </a:p>
@@ -2406,7 +2406,7 @@
             <a:fld id="{653A51A6-7484-E546-BA42-A31390E7BDE5}" type="datetimeFigureOut">
               <a:rPr lang="en-US" smtClean="0"/>
               <a:pPr/>
-              <a:t>10/18/13</a:t>
+              <a:t>10/22/13</a:t>
             </a:fld>
             <a:endParaRPr lang="en-US"/>
           </a:p>
@@ -2680,7 +2680,7 @@
             <a:fld id="{653A51A6-7484-E546-BA42-A31390E7BDE5}" type="datetimeFigureOut">
               <a:rPr lang="en-US" smtClean="0"/>
               <a:pPr/>
-              <a:t>10/18/13</a:t>
+              <a:t>10/22/13</a:t>
             </a:fld>
             <a:endParaRPr lang="en-US"/>
           </a:p>
@@ -2930,7 +2930,7 @@
             <a:fld id="{653A51A6-7484-E546-BA42-A31390E7BDE5}" type="datetimeFigureOut">
               <a:rPr lang="en-US" smtClean="0"/>
               <a:pPr/>
-              <a:t>10/18/13</a:t>
+              <a:t>10/22/13</a:t>
             </a:fld>
             <a:endParaRPr lang="en-US"/>
           </a:p>
@@ -3140,7 +3140,7 @@
             <a:fld id="{653A51A6-7484-E546-BA42-A31390E7BDE5}" type="datetimeFigureOut">
               <a:rPr lang="en-US" smtClean="0"/>
               <a:pPr/>
-              <a:t>10/18/13</a:t>
+              <a:t>10/22/13</a:t>
             </a:fld>
             <a:endParaRPr lang="en-US"/>
           </a:p>
@@ -3806,14 +3806,19 @@
             <a:pPr lvl="1"/>
             <a:r>
               <a:rPr lang="en-US" dirty="0" smtClean="0"/>
-              <a:t>doc</a:t>
-            </a:r>
+              <a:t>Doc</a:t>
+            </a:r>
+            <a:endParaRPr lang="en-US" dirty="0" smtClean="0"/>
           </a:p>
           <a:p>
             <a:pPr lvl="1"/>
             <a:r>
+              <a:rPr lang="en-US" dirty="0"/>
+              <a:t>d</a:t>
+            </a:r>
+            <a:r>
               <a:rPr lang="en-US" dirty="0" smtClean="0"/>
-              <a:t>Data</a:t>
+              <a:t>ata</a:t>
             </a:r>
             <a:endParaRPr lang="en-US" dirty="0" smtClean="0"/>
           </a:p>
@@ -3835,7 +3840,6 @@
               <a:rPr lang="en-US" dirty="0" smtClean="0"/>
               <a:t>bin</a:t>
             </a:r>
-            <a:endParaRPr lang="en-US" dirty="0" smtClean="0"/>
           </a:p>
           <a:p>
             <a:pPr lvl="1"/>
@@ -3857,6 +3861,9 @@
             </a:r>
           </a:p>
           <a:p>
+            <a:pPr marL="0" indent="0">
+              <a:buNone/>
+            </a:pPr>
             <a:endParaRPr lang="en-US" dirty="0"/>
           </a:p>
         </p:txBody>
@@ -4033,17 +4040,6 @@
           <a:p>
             <a:r>
               <a:rPr lang="en-US" dirty="0" smtClean="0"/>
-              <a:t>In the same Teams, modify your scripts from session1 to take, as arguments, just the reference and raw file names instead of the full paths to the files.  They should then create a timestamp subdirectory in the project results directory, and place all results in that directory instead of in the current working directory. (hint: ‘~/’ is a special path that might </a:t>
-            </a:r>
-            <a:r>
-              <a:rPr lang="en-US" smtClean="0"/>
-              <a:t>be useful)</a:t>
-            </a:r>
-            <a:endParaRPr lang="en-US" dirty="0" smtClean="0"/>
-          </a:p>
-          <a:p>
-            <a:r>
-              <a:rPr lang="en-US" dirty="0" smtClean="0"/>
               <a:t>Read </a:t>
             </a:r>
             <a:r>
@@ -4060,7 +4056,23 @@
             <a:endParaRPr lang="en-US" dirty="0" smtClean="0"/>
           </a:p>
           <a:p>
-            <a:endParaRPr lang="en-US" dirty="0"/>
+            <a:r>
+              <a:rPr lang="en-US" dirty="0"/>
+              <a:t>In the same Teams, modify your scripts from session1 to take, as arguments, just the reference and raw file names instead of the full paths to the files.  </a:t>
+            </a:r>
+            <a:r>
+              <a:rPr lang="en-US"/>
+              <a:t>They should then create a timestamp subdirectory in the project ‘results’ directory (relative to $HOME, or ~/, depending on your preference), and place all results in that directory instead of in the current </a:t>
+            </a:r>
+            <a:r>
+              <a:rPr lang="en-US"/>
+              <a:t>working </a:t>
+            </a:r>
+            <a:r>
+              <a:rPr lang="en-US" smtClean="0"/>
+              <a:t>directory</a:t>
+            </a:r>
+            <a:endParaRPr lang="en-US"/>
           </a:p>
         </p:txBody>
       </p:sp>

--- a/doc/slides/day2/session2/ProjectOrg.pptx
+++ b/doc/slides/day2/session2/ProjectOrg.pptx
@@ -3808,7 +3808,6 @@
               <a:rPr lang="en-US" dirty="0" smtClean="0"/>
               <a:t>Doc</a:t>
             </a:r>
-            <a:endParaRPr lang="en-US" dirty="0" smtClean="0"/>
           </a:p>
           <a:p>
             <a:pPr lvl="1"/>
@@ -3820,7 +3819,6 @@
               <a:rPr lang="en-US" dirty="0" smtClean="0"/>
               <a:t>ata</a:t>
             </a:r>
-            <a:endParaRPr lang="en-US" dirty="0" smtClean="0"/>
           </a:p>
           <a:p>
             <a:pPr lvl="1"/>
@@ -4031,48 +4029,341 @@
             <p:ph idx="1"/>
           </p:nvPr>
         </p:nvSpPr>
-        <p:spPr/>
+        <p:spPr>
+          <a:xfrm>
+            <a:off x="443048" y="1196752"/>
+            <a:ext cx="8229600" cy="5472608"/>
+          </a:xfrm>
+        </p:spPr>
         <p:txBody>
           <a:bodyPr>
-            <a:normAutofit fontScale="92500" lnSpcReduction="10000"/>
+            <a:noAutofit/>
           </a:bodyPr>
           <a:lstStyle/>
           <a:p>
             <a:r>
-              <a:rPr lang="en-US" dirty="0" smtClean="0"/>
-              <a:t>Read </a:t>
-            </a:r>
-            <a:r>
-              <a:rPr lang="en-US" dirty="0" smtClean="0"/>
-              <a:t>the article </a:t>
-            </a:r>
-            <a:br>
-              <a:rPr lang="en-US" dirty="0" smtClean="0"/>
-            </a:br>
-            <a:r>
-              <a:rPr lang="en-US" sz="2400" dirty="0" smtClean="0"/>
-              <a:t>http://dx.doi.org/10.1371/journal.pcbi.1000424 </a:t>
-            </a:r>
-            <a:endParaRPr lang="en-US" dirty="0" smtClean="0"/>
-          </a:p>
-          <a:p>
-            <a:r>
-              <a:rPr lang="en-US" dirty="0"/>
-              <a:t>In the same Teams, modify your scripts from session1 to take, as arguments, just the reference and raw file names instead of the full paths to the files.  </a:t>
-            </a:r>
-            <a:r>
-              <a:rPr lang="en-US"/>
-              <a:t>They should then create a timestamp subdirectory in the project ‘results’ directory (relative to $HOME, or ~/, depending on your preference), and place all results in that directory instead of in the current </a:t>
-            </a:r>
-            <a:r>
-              <a:rPr lang="en-US"/>
-              <a:t>working </a:t>
-            </a:r>
-            <a:r>
-              <a:rPr lang="en-US" smtClean="0"/>
+              <a:rPr lang="en-US" sz="1600" dirty="0" err="1" smtClean="0"/>
+              <a:t>cp</a:t>
+            </a:r>
+            <a:r>
+              <a:rPr lang="en-US" sz="1600" dirty="0" smtClean="0"/>
+              <a:t> </a:t>
+            </a:r>
+            <a:r>
+              <a:rPr lang="en-US" sz="1600" dirty="0"/>
+              <a:t>/</a:t>
+            </a:r>
+            <a:r>
+              <a:rPr lang="en-US" sz="1600" dirty="0" err="1"/>
+              <a:t>gsd</a:t>
+            </a:r>
+            <a:r>
+              <a:rPr lang="en-US" sz="1600" dirty="0"/>
+              <a:t>/</a:t>
+            </a:r>
+            <a:r>
+              <a:rPr lang="en-US" sz="1600" dirty="0" err="1"/>
+              <a:t>To_Participant</a:t>
+            </a:r>
+            <a:r>
+              <a:rPr lang="en-US" sz="1600" dirty="0"/>
+              <a:t>/ARANGS/1-U0015717_GTGGCC_L005_R[12]_001_$NUM.bfq . # $NUM will vary from team group to team group</a:t>
+            </a:r>
+          </a:p>
+          <a:p>
+            <a:r>
+              <a:rPr lang="en-US" sz="1600" dirty="0"/>
+              <a:t>In Teams, write a bash script </a:t>
+            </a:r>
+            <a:r>
+              <a:rPr lang="en-US" sz="1600" dirty="0" smtClean="0"/>
+              <a:t>(use </a:t>
+            </a:r>
+            <a:r>
+              <a:rPr lang="en-US" sz="1600" dirty="0"/>
+              <a:t>/</a:t>
+            </a:r>
+            <a:r>
+              <a:rPr lang="en-US" sz="1600" dirty="0" err="1"/>
+              <a:t>gsd</a:t>
+            </a:r>
+            <a:r>
+              <a:rPr lang="en-US" sz="1600" dirty="0"/>
+              <a:t>/</a:t>
+            </a:r>
+            <a:r>
+              <a:rPr lang="en-US" sz="1600" dirty="0" err="1"/>
+              <a:t>To_Participant</a:t>
+            </a:r>
+            <a:r>
+              <a:rPr lang="en-US" sz="1600" dirty="0"/>
+              <a:t>/ARANGS13/</a:t>
+            </a:r>
+            <a:r>
+              <a:rPr lang="en-US" sz="1600" dirty="0" err="1"/>
+              <a:t>arangs</a:t>
+            </a:r>
+            <a:r>
+              <a:rPr lang="en-US" sz="1600" dirty="0"/>
+              <a:t>/</a:t>
+            </a:r>
+            <a:r>
+              <a:rPr lang="en-US" sz="1600" dirty="0" err="1"/>
+              <a:t>src</a:t>
+            </a:r>
+            <a:r>
+              <a:rPr lang="en-US" sz="1600" dirty="0"/>
+              <a:t>/</a:t>
+            </a:r>
+            <a:r>
+              <a:rPr lang="en-US" sz="1600" dirty="0" err="1" smtClean="0"/>
+              <a:t>template.sh</a:t>
+            </a:r>
+            <a:r>
+              <a:rPr lang="en-US" sz="1600" dirty="0"/>
+              <a:t> and /</a:t>
+            </a:r>
+            <a:r>
+              <a:rPr lang="en-US" sz="1600" dirty="0" err="1"/>
+              <a:t>gsd</a:t>
+            </a:r>
+            <a:r>
+              <a:rPr lang="en-US" sz="1600" dirty="0"/>
+              <a:t>/</a:t>
+            </a:r>
+            <a:r>
+              <a:rPr lang="en-US" sz="1600" dirty="0" err="1"/>
+              <a:t>To_Participant</a:t>
+            </a:r>
+            <a:r>
+              <a:rPr lang="en-US" sz="1600" dirty="0"/>
+              <a:t>/ARANGS13/</a:t>
+            </a:r>
+            <a:r>
+              <a:rPr lang="en-US" sz="1600" dirty="0" err="1"/>
+              <a:t>arangs</a:t>
+            </a:r>
+            <a:r>
+              <a:rPr lang="en-US" sz="1600" dirty="0"/>
+              <a:t>/</a:t>
+            </a:r>
+            <a:r>
+              <a:rPr lang="en-US" sz="1600" dirty="0" err="1"/>
+              <a:t>src</a:t>
+            </a:r>
+            <a:r>
+              <a:rPr lang="en-US" sz="1600" dirty="0" smtClean="0"/>
+              <a:t>/</a:t>
+            </a:r>
+            <a:r>
+              <a:rPr lang="en-US" sz="1600" dirty="0" err="1" smtClean="0"/>
+              <a:t>bwa-aln.sh</a:t>
+            </a:r>
+            <a:r>
+              <a:rPr lang="en-US" sz="1600" dirty="0" smtClean="0"/>
+              <a:t> </a:t>
+            </a:r>
+            <a:r>
+              <a:rPr lang="en-US" sz="1600" smtClean="0"/>
+              <a:t>for inspiration) </a:t>
+            </a:r>
+            <a:r>
+              <a:rPr lang="en-US" sz="1600" dirty="0"/>
+              <a:t>that:</a:t>
+            </a:r>
+          </a:p>
+          <a:p>
+            <a:pPr lvl="1"/>
+            <a:r>
+              <a:rPr lang="en-US" sz="1600" dirty="0" err="1"/>
+              <a:t>TeamA</a:t>
+            </a:r>
+            <a:r>
+              <a:rPr lang="en-US" sz="1600" dirty="0"/>
+              <a:t>: takes reference and paired raw files (full paths required), tests to make sure reference and raw files exist, and print an error if they do not, then runs the alignment you manually ran on day1 session4 to generate a </a:t>
+            </a:r>
+            <a:r>
+              <a:rPr lang="en-US" sz="1600" dirty="0" err="1"/>
+              <a:t>sam</a:t>
+            </a:r>
+            <a:r>
+              <a:rPr lang="en-US" sz="1600" dirty="0"/>
+              <a:t> file named </a:t>
+            </a:r>
+            <a:r>
+              <a:rPr lang="en-US" sz="1600" dirty="0" err="1"/>
+              <a:t>all_reads.sam</a:t>
+            </a:r>
+            <a:endParaRPr lang="en-US" sz="1600" dirty="0"/>
+          </a:p>
+          <a:p>
+            <a:pPr lvl="2"/>
+            <a:r>
+              <a:rPr lang="en-US" sz="1600" dirty="0"/>
+              <a:t>Usage: </a:t>
+            </a:r>
+            <a:r>
+              <a:rPr lang="en-US" sz="1600" dirty="0" err="1"/>
+              <a:t>team_a_script.bash</a:t>
+            </a:r>
+            <a:r>
+              <a:rPr lang="en-US" sz="1600" dirty="0"/>
+              <a:t> </a:t>
+            </a:r>
+            <a:r>
+              <a:rPr lang="en-US" sz="1600" dirty="0" err="1"/>
+              <a:t>path_to_reference</a:t>
+            </a:r>
+            <a:r>
+              <a:rPr lang="en-US" sz="1600" dirty="0"/>
+              <a:t> </a:t>
+            </a:r>
+            <a:r>
+              <a:rPr lang="en-US" sz="1600" dirty="0" err="1"/>
+              <a:t>path_to_pair_one</a:t>
+            </a:r>
+            <a:r>
+              <a:rPr lang="en-US" sz="1600" dirty="0"/>
+              <a:t> </a:t>
+            </a:r>
+            <a:r>
+              <a:rPr lang="en-US" sz="1600" dirty="0" err="1"/>
+              <a:t>path_to_pair_two</a:t>
+            </a:r>
+            <a:endParaRPr lang="en-US" sz="1600" dirty="0"/>
+          </a:p>
+          <a:p>
+            <a:pPr lvl="2"/>
+            <a:r>
+              <a:rPr lang="en-US" sz="1600" dirty="0"/>
+              <a:t>Produces </a:t>
+            </a:r>
+            <a:r>
+              <a:rPr lang="en-US" sz="1600" dirty="0" err="1"/>
+              <a:t>all_reads.sam</a:t>
+            </a:r>
+            <a:endParaRPr lang="en-US" sz="1600" dirty="0"/>
+          </a:p>
+          <a:p>
+            <a:pPr lvl="1"/>
+            <a:r>
+              <a:rPr lang="en-US" sz="1600" dirty="0" err="1"/>
+              <a:t>TeamB</a:t>
+            </a:r>
+            <a:r>
+              <a:rPr lang="en-US" sz="1600" dirty="0"/>
+              <a:t>: takes the </a:t>
+            </a:r>
+            <a:r>
+              <a:rPr lang="en-US" sz="1600" dirty="0" err="1"/>
+              <a:t>all_reads.sam</a:t>
+            </a:r>
+            <a:r>
+              <a:rPr lang="en-US" sz="1600" dirty="0"/>
+              <a:t> file produced by </a:t>
+            </a:r>
+            <a:r>
+              <a:rPr lang="en-US" sz="1600" dirty="0" err="1"/>
+              <a:t>team_a_script.bash</a:t>
+            </a:r>
+            <a:r>
+              <a:rPr lang="en-US" sz="1600" dirty="0"/>
+              <a:t>, and produces two sorted bam files named </a:t>
+            </a:r>
+            <a:r>
+              <a:rPr lang="en-US" sz="1600" dirty="0" err="1"/>
+              <a:t>aligned_reads.bam</a:t>
+            </a:r>
+            <a:r>
+              <a:rPr lang="en-US" sz="1600" dirty="0"/>
+              <a:t> and </a:t>
+            </a:r>
+            <a:r>
+              <a:rPr lang="en-US" sz="1600" dirty="0" err="1"/>
+              <a:t>unaligned_reads.bam</a:t>
+            </a:r>
+            <a:endParaRPr lang="en-US" sz="1600" dirty="0"/>
+          </a:p>
+          <a:p>
+            <a:pPr lvl="2"/>
+            <a:r>
+              <a:rPr lang="en-US" sz="1600" dirty="0"/>
+              <a:t>Usage: </a:t>
+            </a:r>
+            <a:r>
+              <a:rPr lang="en-US" sz="1600" dirty="0" err="1"/>
+              <a:t>team_b_script.bash</a:t>
+            </a:r>
+            <a:r>
+              <a:rPr lang="en-US" sz="1600" dirty="0"/>
+              <a:t> </a:t>
+            </a:r>
+            <a:r>
+              <a:rPr lang="en-US" sz="1600" dirty="0" err="1"/>
+              <a:t>path_to_sam</a:t>
+            </a:r>
+            <a:endParaRPr lang="en-US" sz="1600" dirty="0"/>
+          </a:p>
+          <a:p>
+            <a:pPr lvl="2"/>
+            <a:r>
+              <a:rPr lang="en-US" sz="1600" dirty="0"/>
+              <a:t>Produces (sorted): </a:t>
+            </a:r>
+            <a:r>
+              <a:rPr lang="en-US" sz="1600" dirty="0" err="1"/>
+              <a:t>aligned_reads.bam</a:t>
+            </a:r>
+            <a:r>
+              <a:rPr lang="en-US" sz="1600" dirty="0"/>
+              <a:t>, </a:t>
+            </a:r>
+            <a:r>
+              <a:rPr lang="en-US" sz="1600" dirty="0" err="1"/>
+              <a:t>unaligned_reads.bam</a:t>
+            </a:r>
+            <a:endParaRPr lang="en-US" sz="1600" dirty="0"/>
+          </a:p>
+          <a:p>
+            <a:r>
+              <a:rPr lang="en-US" sz="1600" dirty="0" smtClean="0"/>
+              <a:t>In </a:t>
+            </a:r>
+            <a:r>
+              <a:rPr lang="en-US" sz="1600" dirty="0"/>
+              <a:t>the same Teams, modify your scripts from session1 to take, as arguments, just the reference and raw file names instead of the full paths to the files.  They should then create a timestamp subdirectory in the project ‘results’ directory (relative to $HOME, or ~/, depending on your preference), and place all results in that </a:t>
+            </a:r>
+            <a:r>
+              <a:rPr lang="en-US" sz="1600" dirty="0" smtClean="0"/>
+              <a:t>directory </a:t>
+            </a:r>
+            <a:r>
+              <a:rPr lang="en-US" sz="1600" dirty="0"/>
+              <a:t>instead of in the current working </a:t>
+            </a:r>
+            <a:r>
+              <a:rPr lang="en-US" sz="1600" dirty="0" smtClean="0"/>
               <a:t>directory</a:t>
             </a:r>
-            <a:endParaRPr lang="en-US"/>
+          </a:p>
+          <a:p>
+            <a:r>
+              <a:rPr lang="en-US" sz="1600" dirty="0"/>
+              <a:t>Bash manual: http://</a:t>
+            </a:r>
+            <a:r>
+              <a:rPr lang="en-US" sz="1600" dirty="0" err="1"/>
+              <a:t>www.tldp.org</a:t>
+            </a:r>
+            <a:r>
+              <a:rPr lang="en-US" sz="1600" dirty="0"/>
+              <a:t>/LDP/abs/html</a:t>
+            </a:r>
+            <a:r>
+              <a:rPr lang="en-US" sz="1600" dirty="0" smtClean="0"/>
+              <a:t>/</a:t>
+            </a:r>
+            <a:endParaRPr lang="en-US" sz="1600" dirty="0"/>
           </a:p>
         </p:txBody>
       </p:sp>
